--- a/Records/Files/pre-research-stage1.pptx
+++ b/Records/Files/pre-research-stage1.pptx
@@ -144,6 +144,11 @@
       </a:defRPr>
     </a:lvl9pPr>
   </p:defaultTextStyle>
+  <p:extLst>
+    <p:ext uri="{EFAFB233-063F-42B5-8137-9DF3F51BA10A}">
+      <p15:sldGuideLst xmlns:p15="http://schemas.microsoft.com/office/powerpoint/2012/main"/>
+    </p:ext>
+  </p:extLst>
 </p:presentation>
 </file>
 
@@ -10706,7 +10711,7 @@
                 <a:ea typeface="宋体" panose="02010600030101010101" pitchFamily="2" charset="-122"/>
                 <a:cs typeface="Times New Roman" panose="02020603050405020304" pitchFamily="18" charset="0"/>
               </a:rPr>
-              <a:t>闪存作为基础存储介质的存储设备，</a:t>
+              <a:t>闪存作为基础，</a:t>
             </a:r>
             <a:r>
               <a:rPr lang="en-US" altLang="zh-CN" b="0" i="0" dirty="0">
@@ -10777,7 +10782,7 @@
                 <a:ea typeface="宋体" panose="02010600030101010101" pitchFamily="2" charset="-122"/>
                 <a:cs typeface="Times New Roman" panose="02020603050405020304" pitchFamily="18" charset="0"/>
               </a:rPr>
-              <a:t>芯片</a:t>
+              <a:t>芯片存储介质的存储设备）</a:t>
             </a:r>
             <a:r>
               <a:rPr lang="zh-CN" altLang="en-US" b="0" i="0" dirty="0">
@@ -10789,7 +10794,7 @@
                 <a:ea typeface="宋体" panose="02010600030101010101" pitchFamily="2" charset="-122"/>
                 <a:cs typeface="Times New Roman" panose="02020603050405020304" pitchFamily="18" charset="0"/>
               </a:rPr>
-              <a:t>）组成；</a:t>
+              <a:t>组成；</a:t>
             </a:r>
             <a:endParaRPr lang="zh-CN" altLang="en-US" dirty="0">
               <a:latin typeface="Times New Roman" panose="02020603050405020304" pitchFamily="18" charset="0"/>
